--- a/documents/Darpa presentation Devdhar.pptx
+++ b/documents/Darpa presentation Devdhar.pptx
@@ -7,8 +7,10 @@
   <p:sldIdLst>
     <p:sldId id="646" r:id="rId2"/>
     <p:sldId id="708" r:id="rId3"/>
-    <p:sldId id="709" r:id="rId4"/>
-    <p:sldId id="711" r:id="rId5"/>
+    <p:sldId id="712" r:id="rId4"/>
+    <p:sldId id="713" r:id="rId5"/>
+    <p:sldId id="709" r:id="rId6"/>
+    <p:sldId id="711" r:id="rId7"/>
   </p:sldIdLst>
   <p:sldSz cx="12192000" cy="6858000"/>
   <p:notesSz cx="6858000" cy="9144000"/>
@@ -262,7 +264,7 @@
           <a:p>
             <a:fld id="{8364651D-8E56-394A-ACC1-5DA22AECD1BE}" type="datetimeFigureOut">
               <a:rPr lang="en-US" smtClean="0"/>
-              <a:t>1/10/22</a:t>
+              <a:t>1/17/2022</a:t>
             </a:fld>
             <a:endParaRPr lang="en-US"/>
           </a:p>
@@ -460,7 +462,7 @@
           <a:p>
             <a:fld id="{8364651D-8E56-394A-ACC1-5DA22AECD1BE}" type="datetimeFigureOut">
               <a:rPr lang="en-US" smtClean="0"/>
-              <a:t>1/10/22</a:t>
+              <a:t>1/17/2022</a:t>
             </a:fld>
             <a:endParaRPr lang="en-US"/>
           </a:p>
@@ -668,7 +670,7 @@
           <a:p>
             <a:fld id="{8364651D-8E56-394A-ACC1-5DA22AECD1BE}" type="datetimeFigureOut">
               <a:rPr lang="en-US" smtClean="0"/>
-              <a:t>1/10/22</a:t>
+              <a:t>1/17/2022</a:t>
             </a:fld>
             <a:endParaRPr lang="en-US"/>
           </a:p>
@@ -1139,7 +1141,7 @@
           <a:p>
             <a:fld id="{8364651D-8E56-394A-ACC1-5DA22AECD1BE}" type="datetimeFigureOut">
               <a:rPr lang="en-US" smtClean="0"/>
-              <a:t>1/10/22</a:t>
+              <a:t>1/17/2022</a:t>
             </a:fld>
             <a:endParaRPr lang="en-US"/>
           </a:p>
@@ -1414,7 +1416,7 @@
           <a:p>
             <a:fld id="{8364651D-8E56-394A-ACC1-5DA22AECD1BE}" type="datetimeFigureOut">
               <a:rPr lang="en-US" smtClean="0"/>
-              <a:t>1/10/22</a:t>
+              <a:t>1/17/2022</a:t>
             </a:fld>
             <a:endParaRPr lang="en-US"/>
           </a:p>
@@ -1679,7 +1681,7 @@
           <a:p>
             <a:fld id="{8364651D-8E56-394A-ACC1-5DA22AECD1BE}" type="datetimeFigureOut">
               <a:rPr lang="en-US" smtClean="0"/>
-              <a:t>1/10/22</a:t>
+              <a:t>1/17/2022</a:t>
             </a:fld>
             <a:endParaRPr lang="en-US"/>
           </a:p>
@@ -2091,7 +2093,7 @@
           <a:p>
             <a:fld id="{8364651D-8E56-394A-ACC1-5DA22AECD1BE}" type="datetimeFigureOut">
               <a:rPr lang="en-US" smtClean="0"/>
-              <a:t>1/10/22</a:t>
+              <a:t>1/17/2022</a:t>
             </a:fld>
             <a:endParaRPr lang="en-US"/>
           </a:p>
@@ -2232,7 +2234,7 @@
           <a:p>
             <a:fld id="{8364651D-8E56-394A-ACC1-5DA22AECD1BE}" type="datetimeFigureOut">
               <a:rPr lang="en-US" smtClean="0"/>
-              <a:t>1/10/22</a:t>
+              <a:t>1/17/2022</a:t>
             </a:fld>
             <a:endParaRPr lang="en-US"/>
           </a:p>
@@ -2345,7 +2347,7 @@
           <a:p>
             <a:fld id="{8364651D-8E56-394A-ACC1-5DA22AECD1BE}" type="datetimeFigureOut">
               <a:rPr lang="en-US" smtClean="0"/>
-              <a:t>1/10/22</a:t>
+              <a:t>1/17/2022</a:t>
             </a:fld>
             <a:endParaRPr lang="en-US"/>
           </a:p>
@@ -2656,7 +2658,7 @@
           <a:p>
             <a:fld id="{8364651D-8E56-394A-ACC1-5DA22AECD1BE}" type="datetimeFigureOut">
               <a:rPr lang="en-US" smtClean="0"/>
-              <a:t>1/10/22</a:t>
+              <a:t>1/17/2022</a:t>
             </a:fld>
             <a:endParaRPr lang="en-US"/>
           </a:p>
@@ -2944,7 +2946,7 @@
           <a:p>
             <a:fld id="{8364651D-8E56-394A-ACC1-5DA22AECD1BE}" type="datetimeFigureOut">
               <a:rPr lang="en-US" smtClean="0"/>
-              <a:t>1/10/22</a:t>
+              <a:t>1/17/2022</a:t>
             </a:fld>
             <a:endParaRPr lang="en-US"/>
           </a:p>
@@ -3185,7 +3187,7 @@
           <a:p>
             <a:fld id="{8364651D-8E56-394A-ACC1-5DA22AECD1BE}" type="datetimeFigureOut">
               <a:rPr lang="en-US" smtClean="0"/>
-              <a:t>1/10/22</a:t>
+              <a:t>1/17/2022</a:t>
             </a:fld>
             <a:endParaRPr lang="en-US"/>
           </a:p>
@@ -5080,12 +5082,48 @@
           </a:p>
         </p:txBody>
       </p:sp>
+      <p:sp>
+        <p:nvSpPr>
+          <p:cNvPr id="12" name="TextBox 11">
+            <a:extLst>
+              <a:ext uri="{FF2B5EF4-FFF2-40B4-BE49-F238E27FC236}">
+                <a16:creationId xmlns:a16="http://schemas.microsoft.com/office/drawing/2014/main" id="{1E05C5D0-916C-8F47-8D4B-41CDDB222444}"/>
+              </a:ext>
+            </a:extLst>
+          </p:cNvPr>
+          <p:cNvSpPr txBox="1"/>
+          <p:nvPr/>
+        </p:nvSpPr>
+        <p:spPr>
+          <a:xfrm>
+            <a:off x="3905344" y="6264537"/>
+            <a:ext cx="7619309" cy="369332"/>
+          </a:xfrm>
+          <a:prstGeom prst="rect">
+            <a:avLst/>
+          </a:prstGeom>
+          <a:noFill/>
+        </p:spPr>
+        <p:txBody>
+          <a:bodyPr wrap="square" rtlCol="0">
+            <a:spAutoFit/>
+          </a:bodyPr>
+          <a:lstStyle/>
+          <a:p>
+            <a:pPr algn="ctr"/>
+            <a:r>
+              <a:rPr lang="en-US" dirty="0"/>
+              <a:t>Avg. over 5 trials</a:t>
+            </a:r>
+          </a:p>
+        </p:txBody>
+      </p:sp>
       <p:pic>
         <p:nvPicPr>
-          <p:cNvPr id="11" name="Picture 10" descr="Table&#10;&#10;Description automatically generated">
-            <a:extLst>
-              <a:ext uri="{FF2B5EF4-FFF2-40B4-BE49-F238E27FC236}">
-                <a16:creationId xmlns:a16="http://schemas.microsoft.com/office/drawing/2014/main" id="{707792A6-212A-7842-AA02-647EA91BFCE2}"/>
+          <p:cNvPr id="13" name="Picture 12" descr="Table&#10;&#10;Description automatically generated">
+            <a:extLst>
+              <a:ext uri="{FF2B5EF4-FFF2-40B4-BE49-F238E27FC236}">
+                <a16:creationId xmlns:a16="http://schemas.microsoft.com/office/drawing/2014/main" id="{8325183C-D743-4179-8060-AD3D2CE9FC44}"/>
               </a:ext>
             </a:extLst>
           </p:cNvPr>
@@ -5096,55 +5134,19 @@
         </p:nvPicPr>
         <p:blipFill rotWithShape="1">
           <a:blip r:embed="rId2"/>
-          <a:srcRect t="13624" b="2460"/>
+          <a:srcRect t="12886" r="1112" b="4157"/>
           <a:stretch/>
         </p:blipFill>
         <p:spPr>
           <a:xfrm>
-            <a:off x="3535252" y="1342882"/>
-            <a:ext cx="8359494" cy="5005498"/>
+            <a:off x="3710200" y="1609281"/>
+            <a:ext cx="8056969" cy="3942675"/>
           </a:xfrm>
           <a:prstGeom prst="rect">
             <a:avLst/>
           </a:prstGeom>
         </p:spPr>
       </p:pic>
-      <p:sp>
-        <p:nvSpPr>
-          <p:cNvPr id="12" name="TextBox 11">
-            <a:extLst>
-              <a:ext uri="{FF2B5EF4-FFF2-40B4-BE49-F238E27FC236}">
-                <a16:creationId xmlns:a16="http://schemas.microsoft.com/office/drawing/2014/main" id="{1E05C5D0-916C-8F47-8D4B-41CDDB222444}"/>
-              </a:ext>
-            </a:extLst>
-          </p:cNvPr>
-          <p:cNvSpPr txBox="1"/>
-          <p:nvPr/>
-        </p:nvSpPr>
-        <p:spPr>
-          <a:xfrm>
-            <a:off x="3905344" y="6264537"/>
-            <a:ext cx="7619309" cy="369332"/>
-          </a:xfrm>
-          <a:prstGeom prst="rect">
-            <a:avLst/>
-          </a:prstGeom>
-          <a:noFill/>
-        </p:spPr>
-        <p:txBody>
-          <a:bodyPr wrap="square" rtlCol="0">
-            <a:spAutoFit/>
-          </a:bodyPr>
-          <a:lstStyle/>
-          <a:p>
-            <a:pPr algn="ctr"/>
-            <a:r>
-              <a:rPr lang="en-US" dirty="0"/>
-              <a:t>Avg. over 5 trials</a:t>
-            </a:r>
-          </a:p>
-        </p:txBody>
-      </p:sp>
     </p:spTree>
     <p:extLst>
       <p:ext uri="{BB962C8B-B14F-4D97-AF65-F5344CB8AC3E}">
@@ -5180,6 +5182,192 @@
           <p:cNvPr id="3" name="Title 2">
             <a:extLst>
               <a:ext uri="{FF2B5EF4-FFF2-40B4-BE49-F238E27FC236}">
+                <a16:creationId xmlns:a16="http://schemas.microsoft.com/office/drawing/2014/main" id="{434517CA-8723-4566-BE04-CA159DAD9176}"/>
+              </a:ext>
+            </a:extLst>
+          </p:cNvPr>
+          <p:cNvSpPr>
+            <a:spLocks noGrp="1"/>
+          </p:cNvSpPr>
+          <p:nvPr>
+            <p:ph type="ctrTitle"/>
+          </p:nvPr>
+        </p:nvSpPr>
+        <p:spPr/>
+        <p:txBody>
+          <a:bodyPr>
+            <a:normAutofit fontScale="90000"/>
+          </a:bodyPr>
+          <a:lstStyle/>
+          <a:p>
+            <a:r>
+              <a:rPr lang="en-US" dirty="0"/>
+              <a:t>With Standard Deviation</a:t>
+            </a:r>
+            <a:br>
+              <a:rPr lang="en-US" dirty="0"/>
+            </a:br>
+            <a:endParaRPr lang="en-US" dirty="0"/>
+          </a:p>
+        </p:txBody>
+      </p:sp>
+      <p:pic>
+        <p:nvPicPr>
+          <p:cNvPr id="7" name="Content Placeholder 6" descr="A picture containing table&#10;&#10;Description automatically generated">
+            <a:extLst>
+              <a:ext uri="{FF2B5EF4-FFF2-40B4-BE49-F238E27FC236}">
+                <a16:creationId xmlns:a16="http://schemas.microsoft.com/office/drawing/2014/main" id="{826E6CBD-9C8B-439E-9C3E-2555FC8EA54B}"/>
+              </a:ext>
+            </a:extLst>
+          </p:cNvPr>
+          <p:cNvPicPr>
+            <a:picLocks noGrp="1" noChangeAspect="1"/>
+          </p:cNvPicPr>
+          <p:nvPr>
+            <p:ph sz="quarter" idx="13"/>
+          </p:nvPr>
+        </p:nvPicPr>
+        <p:blipFill>
+          <a:blip r:embed="rId2"/>
+          <a:stretch>
+            <a:fillRect/>
+          </a:stretch>
+        </p:blipFill>
+        <p:spPr>
+          <a:xfrm>
+            <a:off x="558800" y="1387475"/>
+            <a:ext cx="11074400" cy="4845050"/>
+          </a:xfrm>
+        </p:spPr>
+      </p:pic>
+    </p:spTree>
+    <p:extLst>
+      <p:ext uri="{BB962C8B-B14F-4D97-AF65-F5344CB8AC3E}">
+        <p14:creationId xmlns:p14="http://schemas.microsoft.com/office/powerpoint/2010/main" val="1799316389"/>
+      </p:ext>
+    </p:extLst>
+  </p:cSld>
+  <p:clrMapOvr>
+    <a:masterClrMapping/>
+  </p:clrMapOvr>
+</p:sld>
+</file>
+
+<file path=ppt/slides/slide4.xml><?xml version="1.0" encoding="utf-8"?>
+<p:sld xmlns:a="http://schemas.openxmlformats.org/drawingml/2006/main" xmlns:r="http://schemas.openxmlformats.org/officeDocument/2006/relationships" xmlns:p="http://schemas.openxmlformats.org/presentationml/2006/main">
+  <p:cSld>
+    <p:spTree>
+      <p:nvGrpSpPr>
+        <p:cNvPr id="1" name=""/>
+        <p:cNvGrpSpPr/>
+        <p:nvPr/>
+      </p:nvGrpSpPr>
+      <p:grpSpPr>
+        <a:xfrm>
+          <a:off x="0" y="0"/>
+          <a:ext cx="0" cy="0"/>
+          <a:chOff x="0" y="0"/>
+          <a:chExt cx="0" cy="0"/>
+        </a:xfrm>
+      </p:grpSpPr>
+      <p:sp>
+        <p:nvSpPr>
+          <p:cNvPr id="3" name="Title 2">
+            <a:extLst>
+              <a:ext uri="{FF2B5EF4-FFF2-40B4-BE49-F238E27FC236}">
+                <a16:creationId xmlns:a16="http://schemas.microsoft.com/office/drawing/2014/main" id="{434517CA-8723-4566-BE04-CA159DAD9176}"/>
+              </a:ext>
+            </a:extLst>
+          </p:cNvPr>
+          <p:cNvSpPr>
+            <a:spLocks noGrp="1"/>
+          </p:cNvSpPr>
+          <p:nvPr>
+            <p:ph type="ctrTitle"/>
+          </p:nvPr>
+        </p:nvSpPr>
+        <p:spPr/>
+        <p:txBody>
+          <a:bodyPr>
+            <a:normAutofit fontScale="90000"/>
+          </a:bodyPr>
+          <a:lstStyle/>
+          <a:p>
+            <a:r>
+              <a:rPr lang="en-US" dirty="0"/>
+              <a:t>With Standard Deviation</a:t>
+            </a:r>
+            <a:br>
+              <a:rPr lang="en-US" dirty="0"/>
+            </a:br>
+            <a:endParaRPr lang="en-US" dirty="0"/>
+          </a:p>
+        </p:txBody>
+      </p:sp>
+      <p:pic>
+        <p:nvPicPr>
+          <p:cNvPr id="4" name="Picture 3" descr="Graphical user interface, table, calendar&#10;&#10;Description automatically generated">
+            <a:extLst>
+              <a:ext uri="{FF2B5EF4-FFF2-40B4-BE49-F238E27FC236}">
+                <a16:creationId xmlns:a16="http://schemas.microsoft.com/office/drawing/2014/main" id="{6E64229F-62CB-4BCA-AD18-7E1B3D0BB00C}"/>
+              </a:ext>
+            </a:extLst>
+          </p:cNvPr>
+          <p:cNvPicPr>
+            <a:picLocks noChangeAspect="1"/>
+          </p:cNvPicPr>
+          <p:nvPr/>
+        </p:nvPicPr>
+        <p:blipFill rotWithShape="1">
+          <a:blip r:embed="rId2"/>
+          <a:srcRect l="1" t="13299" r="709" b="3084"/>
+          <a:stretch/>
+        </p:blipFill>
+        <p:spPr>
+          <a:xfrm>
+            <a:off x="641406" y="1835378"/>
+            <a:ext cx="10909188" cy="4019413"/>
+          </a:xfrm>
+          <a:prstGeom prst="rect">
+            <a:avLst/>
+          </a:prstGeom>
+        </p:spPr>
+      </p:pic>
+    </p:spTree>
+    <p:extLst>
+      <p:ext uri="{BB962C8B-B14F-4D97-AF65-F5344CB8AC3E}">
+        <p14:creationId xmlns:p14="http://schemas.microsoft.com/office/powerpoint/2010/main" val="233904210"/>
+      </p:ext>
+    </p:extLst>
+  </p:cSld>
+  <p:clrMapOvr>
+    <a:masterClrMapping/>
+  </p:clrMapOvr>
+</p:sld>
+</file>
+
+<file path=ppt/slides/slide5.xml><?xml version="1.0" encoding="utf-8"?>
+<p:sld xmlns:a="http://schemas.openxmlformats.org/drawingml/2006/main" xmlns:r="http://schemas.openxmlformats.org/officeDocument/2006/relationships" xmlns:p="http://schemas.openxmlformats.org/presentationml/2006/main">
+  <p:cSld>
+    <p:spTree>
+      <p:nvGrpSpPr>
+        <p:cNvPr id="1" name=""/>
+        <p:cNvGrpSpPr/>
+        <p:nvPr/>
+      </p:nvGrpSpPr>
+      <p:grpSpPr>
+        <a:xfrm>
+          <a:off x="0" y="0"/>
+          <a:ext cx="0" cy="0"/>
+          <a:chOff x="0" y="0"/>
+          <a:chExt cx="0" cy="0"/>
+        </a:xfrm>
+      </p:grpSpPr>
+      <p:sp>
+        <p:nvSpPr>
+          <p:cNvPr id="3" name="Title 2">
+            <a:extLst>
+              <a:ext uri="{FF2B5EF4-FFF2-40B4-BE49-F238E27FC236}">
                 <a16:creationId xmlns:a16="http://schemas.microsoft.com/office/drawing/2014/main" id="{451C3717-8186-1D40-A7B1-221B3A10DE29}"/>
               </a:ext>
             </a:extLst>
@@ -5317,7 +5505,7 @@
 </p:sld>
 </file>
 
-<file path=ppt/slides/slide4.xml><?xml version="1.0" encoding="utf-8"?>
+<file path=ppt/slides/slide6.xml><?xml version="1.0" encoding="utf-8"?>
 <p:sld xmlns:a="http://schemas.openxmlformats.org/drawingml/2006/main" xmlns:r="http://schemas.openxmlformats.org/officeDocument/2006/relationships" xmlns:p="http://schemas.openxmlformats.org/presentationml/2006/main">
   <p:cSld>
     <p:spTree>

--- a/documents/Darpa presentation Devdhar.pptx
+++ b/documents/Darpa presentation Devdhar.pptx
@@ -264,7 +264,7 @@
           <a:p>
             <a:fld id="{8364651D-8E56-394A-ACC1-5DA22AECD1BE}" type="datetimeFigureOut">
               <a:rPr lang="en-US" smtClean="0"/>
-              <a:t>1/17/2022</a:t>
+              <a:t>2/24/2022</a:t>
             </a:fld>
             <a:endParaRPr lang="en-US"/>
           </a:p>
@@ -462,7 +462,7 @@
           <a:p>
             <a:fld id="{8364651D-8E56-394A-ACC1-5DA22AECD1BE}" type="datetimeFigureOut">
               <a:rPr lang="en-US" smtClean="0"/>
-              <a:t>1/17/2022</a:t>
+              <a:t>2/24/2022</a:t>
             </a:fld>
             <a:endParaRPr lang="en-US"/>
           </a:p>
@@ -670,7 +670,7 @@
           <a:p>
             <a:fld id="{8364651D-8E56-394A-ACC1-5DA22AECD1BE}" type="datetimeFigureOut">
               <a:rPr lang="en-US" smtClean="0"/>
-              <a:t>1/17/2022</a:t>
+              <a:t>2/24/2022</a:t>
             </a:fld>
             <a:endParaRPr lang="en-US"/>
           </a:p>
@@ -1141,7 +1141,7 @@
           <a:p>
             <a:fld id="{8364651D-8E56-394A-ACC1-5DA22AECD1BE}" type="datetimeFigureOut">
               <a:rPr lang="en-US" smtClean="0"/>
-              <a:t>1/17/2022</a:t>
+              <a:t>2/24/2022</a:t>
             </a:fld>
             <a:endParaRPr lang="en-US"/>
           </a:p>
@@ -1416,7 +1416,7 @@
           <a:p>
             <a:fld id="{8364651D-8E56-394A-ACC1-5DA22AECD1BE}" type="datetimeFigureOut">
               <a:rPr lang="en-US" smtClean="0"/>
-              <a:t>1/17/2022</a:t>
+              <a:t>2/24/2022</a:t>
             </a:fld>
             <a:endParaRPr lang="en-US"/>
           </a:p>
@@ -1681,7 +1681,7 @@
           <a:p>
             <a:fld id="{8364651D-8E56-394A-ACC1-5DA22AECD1BE}" type="datetimeFigureOut">
               <a:rPr lang="en-US" smtClean="0"/>
-              <a:t>1/17/2022</a:t>
+              <a:t>2/24/2022</a:t>
             </a:fld>
             <a:endParaRPr lang="en-US"/>
           </a:p>
@@ -2093,7 +2093,7 @@
           <a:p>
             <a:fld id="{8364651D-8E56-394A-ACC1-5DA22AECD1BE}" type="datetimeFigureOut">
               <a:rPr lang="en-US" smtClean="0"/>
-              <a:t>1/17/2022</a:t>
+              <a:t>2/24/2022</a:t>
             </a:fld>
             <a:endParaRPr lang="en-US"/>
           </a:p>
@@ -2234,7 +2234,7 @@
           <a:p>
             <a:fld id="{8364651D-8E56-394A-ACC1-5DA22AECD1BE}" type="datetimeFigureOut">
               <a:rPr lang="en-US" smtClean="0"/>
-              <a:t>1/17/2022</a:t>
+              <a:t>2/24/2022</a:t>
             </a:fld>
             <a:endParaRPr lang="en-US"/>
           </a:p>
@@ -2347,7 +2347,7 @@
           <a:p>
             <a:fld id="{8364651D-8E56-394A-ACC1-5DA22AECD1BE}" type="datetimeFigureOut">
               <a:rPr lang="en-US" smtClean="0"/>
-              <a:t>1/17/2022</a:t>
+              <a:t>2/24/2022</a:t>
             </a:fld>
             <a:endParaRPr lang="en-US"/>
           </a:p>
@@ -2658,7 +2658,7 @@
           <a:p>
             <a:fld id="{8364651D-8E56-394A-ACC1-5DA22AECD1BE}" type="datetimeFigureOut">
               <a:rPr lang="en-US" smtClean="0"/>
-              <a:t>1/17/2022</a:t>
+              <a:t>2/24/2022</a:t>
             </a:fld>
             <a:endParaRPr lang="en-US"/>
           </a:p>
@@ -2946,7 +2946,7 @@
           <a:p>
             <a:fld id="{8364651D-8E56-394A-ACC1-5DA22AECD1BE}" type="datetimeFigureOut">
               <a:rPr lang="en-US" smtClean="0"/>
-              <a:t>1/17/2022</a:t>
+              <a:t>2/24/2022</a:t>
             </a:fld>
             <a:endParaRPr lang="en-US"/>
           </a:p>
@@ -3187,7 +3187,7 @@
           <a:p>
             <a:fld id="{8364651D-8E56-394A-ACC1-5DA22AECD1BE}" type="datetimeFigureOut">
               <a:rPr lang="en-US" smtClean="0"/>
-              <a:t>1/17/2022</a:t>
+              <a:t>2/24/2022</a:t>
             </a:fld>
             <a:endParaRPr lang="en-US"/>
           </a:p>
@@ -5295,7 +5295,7 @@
           <a:p>
             <a:r>
               <a:rPr lang="en-US" dirty="0"/>
-              <a:t>With Standard Deviation</a:t>
+              <a:t>With Standard Deviation (delayed)</a:t>
             </a:r>
             <a:br>
               <a:rPr lang="en-US" dirty="0"/>
@@ -8633,14 +8633,14 @@
           <p:nvPr>
             <p:extLst>
               <p:ext uri="{D42A27DB-BD31-4B8C-83A1-F6EECF244321}">
-                <p14:modId xmlns:p14="http://schemas.microsoft.com/office/powerpoint/2010/main" val="2116028708"/>
+                <p14:modId xmlns:p14="http://schemas.microsoft.com/office/powerpoint/2010/main" val="3442422436"/>
               </p:ext>
             </p:extLst>
           </p:nvPr>
         </p:nvGraphicFramePr>
         <p:xfrm>
-          <a:off x="5279841" y="1576734"/>
-          <a:ext cx="6727860" cy="3017520"/>
+          <a:off x="5113915" y="1608429"/>
+          <a:ext cx="6727860" cy="3657600"/>
         </p:xfrm>
         <a:graphic>
           <a:graphicData uri="http://schemas.openxmlformats.org/drawingml/2006/table">
@@ -8983,6 +8983,79 @@
                   </a:ext>
                 </a:extLst>
               </a:tr>
+              <a:tr h="370840">
+                <a:tc>
+                  <a:txBody>
+                    <a:bodyPr/>
+                    <a:lstStyle/>
+                    <a:p>
+                      <a:r>
+                        <a:rPr lang="en-US" dirty="0"/>
+                        <a:t>Network 3</a:t>
+                      </a:r>
+                    </a:p>
+                    <a:p>
+                      <a:r>
+                        <a:rPr lang="en-US" dirty="0"/>
+                        <a:t>0.16s reaction</a:t>
+                      </a:r>
+                    </a:p>
+                  </a:txBody>
+                  <a:tcPr/>
+                </a:tc>
+                <a:tc>
+                  <a:txBody>
+                    <a:bodyPr/>
+                    <a:lstStyle/>
+                    <a:p>
+                      <a:r>
+                        <a:rPr lang="en-US" b="1" dirty="0"/>
+                        <a:t>Reflex Network</a:t>
+                      </a:r>
+                    </a:p>
+                  </a:txBody>
+                  <a:tcPr/>
+                </a:tc>
+                <a:tc>
+                  <a:txBody>
+                    <a:bodyPr/>
+                    <a:lstStyle/>
+                    <a:p>
+                      <a:r>
+                        <a:rPr lang="en-US" b="1" dirty="0"/>
+                        <a:t>95.3</a:t>
+                      </a:r>
+                    </a:p>
+                    <a:p>
+                      <a:r>
+                        <a:rPr lang="en-US" b="0" dirty="0"/>
+                        <a:t>Original</a:t>
+                      </a:r>
+                      <a:r>
+                        <a:rPr lang="en-US" b="0"/>
+                        <a:t>: 84.97</a:t>
+                      </a:r>
+                      <a:endParaRPr lang="en-US" b="0" dirty="0"/>
+                    </a:p>
+                  </a:txBody>
+                  <a:tcPr/>
+                </a:tc>
+                <a:tc>
+                  <a:txBody>
+                    <a:bodyPr/>
+                    <a:lstStyle/>
+                    <a:p>
+                      <a:endParaRPr lang="en-US" b="1" dirty="0"/>
+                    </a:p>
+                  </a:txBody>
+                  <a:tcPr/>
+                </a:tc>
+                <a:extLst>
+                  <a:ext uri="{0D108BD9-81ED-4DB2-BD59-A6C34878D82A}">
+                    <a16:rowId xmlns:a16="http://schemas.microsoft.com/office/drawing/2014/main" val="2689995730"/>
+                  </a:ext>
+                </a:extLst>
+              </a:tr>
             </a:tbl>
           </a:graphicData>
         </a:graphic>
@@ -9001,7 +9074,7 @@
         </p:nvSpPr>
         <p:spPr>
           <a:xfrm>
-            <a:off x="5891602" y="4629373"/>
+            <a:off x="6359654" y="5753974"/>
             <a:ext cx="5950173" cy="923330"/>
           </a:xfrm>
           <a:prstGeom prst="rect">
